--- a/output/Ebook_template.pptx
+++ b/output/Ebook_template.pptx
@@ -5343,7 +5343,7 @@
               <a:rPr lang="pt-BR" smtClean="0"/>
               <a:t>13</a:t>
             </a:fld>
-            <a:endParaRPr lang="pt-BR"/>
+            <a:endParaRPr lang="pt-BR" dirty="0"/>
           </a:p>
         </p:txBody>
       </p:sp>
@@ -7700,7 +7700,7 @@
         </p:blipFill>
         <p:spPr>
           <a:xfrm>
-            <a:off x="3981709" y="6815350"/>
+            <a:off x="3981709" y="6975101"/>
             <a:ext cx="1637778" cy="1637778"/>
           </a:xfrm>
           <a:prstGeom prst="rect">
@@ -7708,6 +7708,44 @@
           </a:prstGeom>
         </p:spPr>
       </p:pic>
+      <p:sp>
+        <p:nvSpPr>
+          <p:cNvPr id="7" name="CaixaDeTexto 6">
+            <a:extLst>
+              <a:ext uri="{FF2B5EF4-FFF2-40B4-BE49-F238E27FC236}">
+                <a16:creationId xmlns:a16="http://schemas.microsoft.com/office/drawing/2014/main" id="{CEF814B6-7909-2BCD-F7F4-EE143F3AD175}"/>
+              </a:ext>
+            </a:extLst>
+          </p:cNvPr>
+          <p:cNvSpPr txBox="1"/>
+          <p:nvPr/>
+        </p:nvSpPr>
+        <p:spPr>
+          <a:xfrm>
+            <a:off x="1697532" y="8672840"/>
+            <a:ext cx="6206137" cy="369332"/>
+          </a:xfrm>
+          <a:prstGeom prst="rect">
+            <a:avLst/>
+          </a:prstGeom>
+          <a:noFill/>
+        </p:spPr>
+        <p:txBody>
+          <a:bodyPr wrap="square">
+            <a:spAutoFit/>
+          </a:bodyPr>
+          <a:lstStyle/>
+          <a:p>
+            <a:r>
+              <a:rPr lang="pt-BR" dirty="0">
+                <a:hlinkClick r:id="rId7"/>
+              </a:rPr>
+              <a:t>https://github.com/ru-fagundes/Criando_um_Ebook_com_IA</a:t>
+            </a:r>
+            <a:endParaRPr lang="pt-BR" dirty="0"/>
+          </a:p>
+        </p:txBody>
+      </p:sp>
     </p:spTree>
     <p:extLst>
       <p:ext uri="{BB962C8B-B14F-4D97-AF65-F5344CB8AC3E}">
